--- a/Regression Modelling Presentation.pptx
+++ b/Regression Modelling Presentation.pptx
@@ -5,7 +5,7 @@
     <p:sldMasterId id="2147483659" r:id="rId1"/>
   </p:sldMasterIdLst>
   <p:notesMasterIdLst>
-    <p:notesMasterId r:id="rId17"/>
+    <p:notesMasterId r:id="rId16"/>
   </p:notesMasterIdLst>
   <p:sldIdLst>
     <p:sldId id="256" r:id="rId2"/>
@@ -21,18 +21,17 @@
     <p:sldId id="270" r:id="rId12"/>
     <p:sldId id="271" r:id="rId13"/>
     <p:sldId id="262" r:id="rId14"/>
-    <p:sldId id="272" r:id="rId15"/>
-    <p:sldId id="264" r:id="rId16"/>
+    <p:sldId id="264" r:id="rId15"/>
   </p:sldIdLst>
   <p:sldSz cx="9144000" cy="5143500" type="screen16x9"/>
   <p:notesSz cx="6858000" cy="9144000"/>
   <p:embeddedFontLst>
     <p:embeddedFont>
       <p:font typeface="Proxima Nova" panose="020B0604020202020204" charset="0"/>
-      <p:regular r:id="rId18"/>
-      <p:bold r:id="rId19"/>
-      <p:italic r:id="rId20"/>
-      <p:boldItalic r:id="rId21"/>
+      <p:regular r:id="rId17"/>
+      <p:bold r:id="rId18"/>
+      <p:italic r:id="rId19"/>
+      <p:boldItalic r:id="rId20"/>
     </p:embeddedFont>
   </p:embeddedFontLst>
   <p:defaultTextStyle>
@@ -1260,115 +1259,6 @@
 </file>
 
 <file path=ppt/notesSlides/notesSlide14.xml><?xml version="1.0" encoding="utf-8"?>
-<p:notes xmlns:a="http://schemas.openxmlformats.org/drawingml/2006/main" xmlns:r="http://schemas.openxmlformats.org/officeDocument/2006/relationships" xmlns:p="http://schemas.openxmlformats.org/presentationml/2006/main" showMasterSp="0" showMasterPhAnim="0">
-  <p:cSld>
-    <p:spTree>
-      <p:nvGrpSpPr>
-        <p:cNvPr id="1" name="Shape 91"/>
-        <p:cNvGrpSpPr/>
-        <p:nvPr/>
-      </p:nvGrpSpPr>
-      <p:grpSpPr>
-        <a:xfrm>
-          <a:off x="0" y="0"/>
-          <a:ext cx="0" cy="0"/>
-          <a:chOff x="0" y="0"/>
-          <a:chExt cx="0" cy="0"/>
-        </a:xfrm>
-      </p:grpSpPr>
-      <p:sp>
-        <p:nvSpPr>
-          <p:cNvPr id="92" name="Google Shape;92;g8a55b5f358_0_71:notes"/>
-          <p:cNvSpPr>
-            <a:spLocks noGrp="1" noRot="1" noChangeAspect="1"/>
-          </p:cNvSpPr>
-          <p:nvPr>
-            <p:ph type="sldImg" idx="2"/>
-          </p:nvPr>
-        </p:nvSpPr>
-        <p:spPr>
-          <a:xfrm>
-            <a:off x="381000" y="685800"/>
-            <a:ext cx="6096000" cy="3429000"/>
-          </a:xfrm>
-          <a:custGeom>
-            <a:avLst/>
-            <a:gdLst/>
-            <a:ahLst/>
-            <a:cxnLst/>
-            <a:rect l="l" t="t" r="r" b="b"/>
-            <a:pathLst>
-              <a:path w="120000" h="120000" extrusionOk="0">
-                <a:moveTo>
-                  <a:pt x="0" y="0"/>
-                </a:moveTo>
-                <a:lnTo>
-                  <a:pt x="120000" y="0"/>
-                </a:lnTo>
-                <a:lnTo>
-                  <a:pt x="120000" y="120000"/>
-                </a:lnTo>
-                <a:lnTo>
-                  <a:pt x="0" y="120000"/>
-                </a:lnTo>
-                <a:close/>
-              </a:path>
-            </a:pathLst>
-          </a:custGeom>
-        </p:spPr>
-      </p:sp>
-      <p:sp>
-        <p:nvSpPr>
-          <p:cNvPr id="93" name="Google Shape;93;g8a55b5f358_0_71:notes"/>
-          <p:cNvSpPr txBox="1">
-            <a:spLocks noGrp="1"/>
-          </p:cNvSpPr>
-          <p:nvPr>
-            <p:ph type="body" idx="1"/>
-          </p:nvPr>
-        </p:nvSpPr>
-        <p:spPr>
-          <a:xfrm>
-            <a:off x="685800" y="4343400"/>
-            <a:ext cx="5486400" cy="4114800"/>
-          </a:xfrm>
-          <a:prstGeom prst="rect">
-            <a:avLst/>
-          </a:prstGeom>
-        </p:spPr>
-        <p:txBody>
-          <a:bodyPr spcFirstLastPara="1" wrap="square" lIns="91425" tIns="91425" rIns="91425" bIns="91425" anchor="t" anchorCtr="0">
-            <a:noAutofit/>
-          </a:bodyPr>
-          <a:lstStyle/>
-          <a:p>
-            <a:pPr marL="0" lvl="0" indent="0" algn="l" rtl="0">
-              <a:spcBef>
-                <a:spcPts val="0"/>
-              </a:spcBef>
-              <a:spcAft>
-                <a:spcPts val="0"/>
-              </a:spcAft>
-              <a:buNone/>
-            </a:pPr>
-            <a:endParaRPr/>
-          </a:p>
-        </p:txBody>
-      </p:sp>
-    </p:spTree>
-    <p:extLst>
-      <p:ext uri="{BB962C8B-B14F-4D97-AF65-F5344CB8AC3E}">
-        <p14:creationId xmlns:p14="http://schemas.microsoft.com/office/powerpoint/2010/main" val="739008546"/>
-      </p:ext>
-    </p:extLst>
-  </p:cSld>
-  <p:clrMapOvr>
-    <a:masterClrMapping/>
-  </p:clrMapOvr>
-</p:notes>
-</file>
-
-<file path=ppt/notesSlides/notesSlide15.xml><?xml version="1.0" encoding="utf-8"?>
 <p:notes xmlns:a="http://schemas.openxmlformats.org/drawingml/2006/main" xmlns:r="http://schemas.openxmlformats.org/officeDocument/2006/relationships" xmlns:p="http://schemas.openxmlformats.org/presentationml/2006/main" showMasterSp="0" showMasterPhAnim="0">
   <p:cSld>
     <p:spTree>
@@ -8628,10 +8518,10 @@
       </p:sp>
       <p:pic>
         <p:nvPicPr>
-          <p:cNvPr id="3" name="Picture 2">
+          <p:cNvPr id="4" name="Picture 3">
             <a:extLst>
               <a:ext uri="{FF2B5EF4-FFF2-40B4-BE49-F238E27FC236}">
-                <a16:creationId xmlns:a16="http://schemas.microsoft.com/office/drawing/2014/main" id="{50B03D75-3F0C-814C-53F9-0BC096BAECCE}"/>
+                <a16:creationId xmlns:a16="http://schemas.microsoft.com/office/drawing/2014/main" id="{87E0F985-387C-E567-14C0-5FAA986FE41C}"/>
               </a:ext>
             </a:extLst>
           </p:cNvPr>
@@ -8648,14 +8538,170 @@
         </p:blipFill>
         <p:spPr>
           <a:xfrm>
-            <a:off x="4447186" y="900545"/>
-            <a:ext cx="4249634" cy="3342409"/>
+            <a:off x="4100822" y="731375"/>
+            <a:ext cx="4807652" cy="3781299"/>
           </a:xfrm>
           <a:prstGeom prst="rect">
             <a:avLst/>
           </a:prstGeom>
         </p:spPr>
       </p:pic>
+      <p:sp>
+        <p:nvSpPr>
+          <p:cNvPr id="5" name="Rectangle 4">
+            <a:extLst>
+              <a:ext uri="{FF2B5EF4-FFF2-40B4-BE49-F238E27FC236}">
+                <a16:creationId xmlns:a16="http://schemas.microsoft.com/office/drawing/2014/main" id="{A4BCFAB3-6EB3-8680-BB4D-DFF420C4B2ED}"/>
+              </a:ext>
+            </a:extLst>
+          </p:cNvPr>
+          <p:cNvSpPr/>
+          <p:nvPr/>
+        </p:nvSpPr>
+        <p:spPr>
+          <a:xfrm>
+            <a:off x="381000" y="2486891"/>
+            <a:ext cx="2646218" cy="263236"/>
+          </a:xfrm>
+          <a:prstGeom prst="rect">
+            <a:avLst/>
+          </a:prstGeom>
+          <a:noFill/>
+          <a:ln>
+            <a:solidFill>
+              <a:srgbClr val="C00000"/>
+            </a:solidFill>
+          </a:ln>
+        </p:spPr>
+        <p:style>
+          <a:lnRef idx="2">
+            <a:schemeClr val="accent1">
+              <a:shade val="50000"/>
+            </a:schemeClr>
+          </a:lnRef>
+          <a:fillRef idx="1">
+            <a:schemeClr val="accent1"/>
+          </a:fillRef>
+          <a:effectRef idx="0">
+            <a:schemeClr val="accent1"/>
+          </a:effectRef>
+          <a:fontRef idx="minor">
+            <a:schemeClr val="lt1"/>
+          </a:fontRef>
+        </p:style>
+        <p:txBody>
+          <a:bodyPr rtlCol="0" anchor="ctr"/>
+          <a:lstStyle/>
+          <a:p>
+            <a:pPr algn="ctr"/>
+            <a:endParaRPr lang="en-AU"/>
+          </a:p>
+        </p:txBody>
+      </p:sp>
+      <p:sp>
+        <p:nvSpPr>
+          <p:cNvPr id="8" name="Rectangle 7">
+            <a:extLst>
+              <a:ext uri="{FF2B5EF4-FFF2-40B4-BE49-F238E27FC236}">
+                <a16:creationId xmlns:a16="http://schemas.microsoft.com/office/drawing/2014/main" id="{ABFD3B86-51F2-23C5-73B2-E64AB8183BFE}"/>
+              </a:ext>
+            </a:extLst>
+          </p:cNvPr>
+          <p:cNvSpPr/>
+          <p:nvPr/>
+        </p:nvSpPr>
+        <p:spPr>
+          <a:xfrm>
+            <a:off x="381000" y="2770909"/>
+            <a:ext cx="3470564" cy="263236"/>
+          </a:xfrm>
+          <a:prstGeom prst="rect">
+            <a:avLst/>
+          </a:prstGeom>
+          <a:noFill/>
+          <a:ln>
+            <a:solidFill>
+              <a:srgbClr val="C00000"/>
+            </a:solidFill>
+          </a:ln>
+        </p:spPr>
+        <p:style>
+          <a:lnRef idx="2">
+            <a:schemeClr val="accent1">
+              <a:shade val="50000"/>
+            </a:schemeClr>
+          </a:lnRef>
+          <a:fillRef idx="1">
+            <a:schemeClr val="accent1"/>
+          </a:fillRef>
+          <a:effectRef idx="0">
+            <a:schemeClr val="accent1"/>
+          </a:effectRef>
+          <a:fontRef idx="minor">
+            <a:schemeClr val="lt1"/>
+          </a:fontRef>
+        </p:style>
+        <p:txBody>
+          <a:bodyPr rtlCol="0" anchor="ctr"/>
+          <a:lstStyle/>
+          <a:p>
+            <a:pPr algn="ctr"/>
+            <a:endParaRPr lang="en-AU"/>
+          </a:p>
+        </p:txBody>
+      </p:sp>
+      <p:sp>
+        <p:nvSpPr>
+          <p:cNvPr id="9" name="Rectangle 8">
+            <a:extLst>
+              <a:ext uri="{FF2B5EF4-FFF2-40B4-BE49-F238E27FC236}">
+                <a16:creationId xmlns:a16="http://schemas.microsoft.com/office/drawing/2014/main" id="{B537AC87-E1EB-59E6-3F39-4AF28DE05144}"/>
+              </a:ext>
+            </a:extLst>
+          </p:cNvPr>
+          <p:cNvSpPr/>
+          <p:nvPr/>
+        </p:nvSpPr>
+        <p:spPr>
+          <a:xfrm>
+            <a:off x="381000" y="3319056"/>
+            <a:ext cx="3332018" cy="263236"/>
+          </a:xfrm>
+          <a:prstGeom prst="rect">
+            <a:avLst/>
+          </a:prstGeom>
+          <a:noFill/>
+          <a:ln>
+            <a:solidFill>
+              <a:srgbClr val="C00000"/>
+            </a:solidFill>
+          </a:ln>
+        </p:spPr>
+        <p:style>
+          <a:lnRef idx="2">
+            <a:schemeClr val="accent1">
+              <a:shade val="50000"/>
+            </a:schemeClr>
+          </a:lnRef>
+          <a:fillRef idx="1">
+            <a:schemeClr val="accent1"/>
+          </a:fillRef>
+          <a:effectRef idx="0">
+            <a:schemeClr val="accent1"/>
+          </a:effectRef>
+          <a:fontRef idx="minor">
+            <a:schemeClr val="lt1"/>
+          </a:fontRef>
+        </p:style>
+        <p:txBody>
+          <a:bodyPr rtlCol="0" anchor="ctr"/>
+          <a:lstStyle/>
+          <a:p>
+            <a:pPr algn="ctr"/>
+            <a:endParaRPr lang="en-AU"/>
+          </a:p>
+        </p:txBody>
+      </p:sp>
     </p:spTree>
   </p:cSld>
   <p:clrMapOvr>
@@ -8665,246 +8711,6 @@
 </file>
 
 <file path=ppt/slides/slide14.xml><?xml version="1.0" encoding="utf-8"?>
-<p:sld xmlns:a="http://schemas.openxmlformats.org/drawingml/2006/main" xmlns:r="http://schemas.openxmlformats.org/officeDocument/2006/relationships" xmlns:p="http://schemas.openxmlformats.org/presentationml/2006/main">
-  <p:cSld>
-    <p:spTree>
-      <p:nvGrpSpPr>
-        <p:cNvPr id="1" name="Shape 94"/>
-        <p:cNvGrpSpPr/>
-        <p:nvPr/>
-      </p:nvGrpSpPr>
-      <p:grpSpPr>
-        <a:xfrm>
-          <a:off x="0" y="0"/>
-          <a:ext cx="0" cy="0"/>
-          <a:chOff x="0" y="0"/>
-          <a:chExt cx="0" cy="0"/>
-        </a:xfrm>
-      </p:grpSpPr>
-      <p:sp>
-        <p:nvSpPr>
-          <p:cNvPr id="95" name="Google Shape;95;p19"/>
-          <p:cNvSpPr txBox="1">
-            <a:spLocks noGrp="1"/>
-          </p:cNvSpPr>
-          <p:nvPr>
-            <p:ph type="title"/>
-          </p:nvPr>
-        </p:nvSpPr>
-        <p:spPr>
-          <a:xfrm>
-            <a:off x="311700" y="445025"/>
-            <a:ext cx="8520600" cy="572700"/>
-          </a:xfrm>
-          <a:prstGeom prst="rect">
-            <a:avLst/>
-          </a:prstGeom>
-        </p:spPr>
-        <p:txBody>
-          <a:bodyPr spcFirstLastPara="1" wrap="square" lIns="91425" tIns="91425" rIns="91425" bIns="91425" anchor="t" anchorCtr="0">
-            <a:noAutofit/>
-          </a:bodyPr>
-          <a:lstStyle/>
-          <a:p>
-            <a:pPr marL="0" lvl="0" indent="0" algn="l" rtl="0">
-              <a:spcBef>
-                <a:spcPts val="0"/>
-              </a:spcBef>
-              <a:spcAft>
-                <a:spcPts val="0"/>
-              </a:spcAft>
-              <a:buNone/>
-            </a:pPr>
-            <a:r>
-              <a:rPr lang="en" dirty="0"/>
-              <a:t>Conclusions</a:t>
-            </a:r>
-            <a:endParaRPr dirty="0"/>
-          </a:p>
-        </p:txBody>
-      </p:sp>
-      <p:sp>
-        <p:nvSpPr>
-          <p:cNvPr id="96" name="Google Shape;96;p19"/>
-          <p:cNvSpPr txBox="1">
-            <a:spLocks noGrp="1"/>
-          </p:cNvSpPr>
-          <p:nvPr>
-            <p:ph type="body" idx="1"/>
-          </p:nvPr>
-        </p:nvSpPr>
-        <p:spPr>
-          <a:xfrm>
-            <a:off x="98116" y="1017725"/>
-            <a:ext cx="8644101" cy="3680750"/>
-          </a:xfrm>
-          <a:prstGeom prst="rect">
-            <a:avLst/>
-          </a:prstGeom>
-        </p:spPr>
-        <p:txBody>
-          <a:bodyPr spcFirstLastPara="1" wrap="square" lIns="91425" tIns="91425" rIns="91425" bIns="91425" anchor="t" anchorCtr="0">
-            <a:noAutofit/>
-          </a:bodyPr>
-          <a:lstStyle/>
-          <a:p>
-            <a:pPr marL="114300" indent="0">
-              <a:lnSpc>
-                <a:spcPct val="100000"/>
-              </a:lnSpc>
-              <a:buNone/>
-            </a:pPr>
-            <a:r>
-              <a:rPr lang="en-US" dirty="0"/>
-              <a:t>In order to solve this problem, I intended to answer the below questions:</a:t>
-            </a:r>
-          </a:p>
-          <a:p>
-            <a:pPr marL="114300" indent="0">
-              <a:lnSpc>
-                <a:spcPct val="100000"/>
-              </a:lnSpc>
-              <a:buNone/>
-            </a:pPr>
-            <a:r>
-              <a:rPr lang="en-US" dirty="0"/>
-              <a:t>	</a:t>
-            </a:r>
-            <a:r>
-              <a:rPr lang="en-US" sz="1800" dirty="0"/>
-              <a:t>1. Does location impact sale price?</a:t>
-            </a:r>
-          </a:p>
-          <a:p>
-            <a:pPr marL="114300" indent="0">
-              <a:lnSpc>
-                <a:spcPct val="100000"/>
-              </a:lnSpc>
-              <a:buNone/>
-            </a:pPr>
-            <a:r>
-              <a:rPr lang="en-US" dirty="0"/>
-              <a:t>		Location does impact the sales price.</a:t>
-            </a:r>
-            <a:endParaRPr lang="en-US" sz="1800" dirty="0"/>
-          </a:p>
-          <a:p>
-            <a:pPr marL="114300" indent="0">
-              <a:lnSpc>
-                <a:spcPct val="100000"/>
-              </a:lnSpc>
-              <a:buNone/>
-            </a:pPr>
-            <a:r>
-              <a:rPr lang="en-US" sz="1800" dirty="0"/>
-              <a:t>	2. Does the size of the house impact sale price?</a:t>
-            </a:r>
-          </a:p>
-          <a:p>
-            <a:pPr marL="114300" indent="0">
-              <a:lnSpc>
-                <a:spcPct val="100000"/>
-              </a:lnSpc>
-              <a:buNone/>
-            </a:pPr>
-            <a:r>
-              <a:rPr lang="en-US" dirty="0"/>
-              <a:t>		The size of the living area does impact the price.</a:t>
-            </a:r>
-            <a:endParaRPr lang="en-US" sz="1800" dirty="0"/>
-          </a:p>
-          <a:p>
-            <a:pPr marL="114300" indent="0">
-              <a:lnSpc>
-                <a:spcPct val="100000"/>
-              </a:lnSpc>
-              <a:buNone/>
-            </a:pPr>
-            <a:r>
-              <a:rPr lang="en-US" sz="1800" dirty="0"/>
-              <a:t>	3. Does quality of the house impact sale price?</a:t>
-            </a:r>
-          </a:p>
-          <a:p>
-            <a:pPr marL="114300" indent="0">
-              <a:lnSpc>
-                <a:spcPct val="100000"/>
-              </a:lnSpc>
-              <a:buNone/>
-            </a:pPr>
-            <a:r>
-              <a:rPr lang="en-US" dirty="0"/>
-              <a:t>		The quality (grade) of the house does impact the sale price.</a:t>
-            </a:r>
-            <a:endParaRPr lang="en-US" sz="1800" dirty="0"/>
-          </a:p>
-          <a:p>
-            <a:pPr marL="285750" indent="-285750">
-              <a:lnSpc>
-                <a:spcPct val="100000"/>
-              </a:lnSpc>
-              <a:buFont typeface="Arial" panose="020B0604020202020204" pitchFamily="34" charset="0"/>
-              <a:buChar char="•"/>
-            </a:pPr>
-            <a:endParaRPr lang="en-AU" dirty="0"/>
-          </a:p>
-          <a:p>
-            <a:pPr marL="285750" indent="-285750">
-              <a:lnSpc>
-                <a:spcPct val="100000"/>
-              </a:lnSpc>
-              <a:buFont typeface="Arial" panose="020B0604020202020204" pitchFamily="34" charset="0"/>
-              <a:buChar char="•"/>
-            </a:pPr>
-            <a:endParaRPr lang="en-AU" dirty="0"/>
-          </a:p>
-          <a:p>
-            <a:pPr marL="742950" lvl="1" indent="-285750">
-              <a:lnSpc>
-                <a:spcPct val="100000"/>
-              </a:lnSpc>
-              <a:buFont typeface="Arial" panose="020B0604020202020204" pitchFamily="34" charset="0"/>
-              <a:buChar char="•"/>
-            </a:pPr>
-            <a:endParaRPr lang="en-AU" dirty="0"/>
-          </a:p>
-          <a:p>
-            <a:pPr marL="457200" lvl="1" indent="0">
-              <a:lnSpc>
-                <a:spcPct val="100000"/>
-              </a:lnSpc>
-              <a:buNone/>
-            </a:pPr>
-            <a:endParaRPr lang="en-AU" dirty="0"/>
-          </a:p>
-          <a:p>
-            <a:pPr marL="0" lvl="0" indent="0" algn="l" rtl="0">
-              <a:lnSpc>
-                <a:spcPct val="100000"/>
-              </a:lnSpc>
-              <a:spcBef>
-                <a:spcPts val="0"/>
-              </a:spcBef>
-              <a:buNone/>
-            </a:pPr>
-            <a:endParaRPr dirty="0"/>
-          </a:p>
-        </p:txBody>
-      </p:sp>
-    </p:spTree>
-    <p:extLst>
-      <p:ext uri="{BB962C8B-B14F-4D97-AF65-F5344CB8AC3E}">
-        <p14:creationId xmlns:p14="http://schemas.microsoft.com/office/powerpoint/2010/main" val="3664984135"/>
-      </p:ext>
-    </p:extLst>
-  </p:cSld>
-  <p:clrMapOvr>
-    <a:masterClrMapping/>
-  </p:clrMapOvr>
-</p:sld>
-</file>
-
-<file path=ppt/slides/slide15.xml><?xml version="1.0" encoding="utf-8"?>
 <p:sld xmlns:a="http://schemas.openxmlformats.org/drawingml/2006/main" xmlns:r="http://schemas.openxmlformats.org/officeDocument/2006/relationships" xmlns:p="http://schemas.openxmlformats.org/presentationml/2006/main">
   <p:cSld>
     <p:spTree>
